--- a/4_Presentation/SimBox_Traffic_Bypass_(Telecom)_Fraud_Detection.pptx
+++ b/4_Presentation/SimBox_Traffic_Bypass_(Telecom)_Fraud_Detection.pptx
@@ -5,10 +5,10 @@
     <p:sldMasterId id="2147483648" r:id="rId4"/>
   </p:sldMasterIdLst>
   <p:notesMasterIdLst>
-    <p:notesMasterId r:id="rId14"/>
+    <p:notesMasterId r:id="rId17"/>
   </p:notesMasterIdLst>
   <p:handoutMasterIdLst>
-    <p:handoutMasterId r:id="rId15"/>
+    <p:handoutMasterId r:id="rId18"/>
   </p:handoutMasterIdLst>
   <p:sldIdLst>
     <p:sldId id="256" r:id="rId5"/>
@@ -18,8 +18,11 @@
     <p:sldId id="288" r:id="rId9"/>
     <p:sldId id="289" r:id="rId10"/>
     <p:sldId id="290" r:id="rId11"/>
-    <p:sldId id="291" r:id="rId12"/>
-    <p:sldId id="271" r:id="rId13"/>
+    <p:sldId id="292" r:id="rId12"/>
+    <p:sldId id="293" r:id="rId13"/>
+    <p:sldId id="294" r:id="rId14"/>
+    <p:sldId id="291" r:id="rId15"/>
+    <p:sldId id="271" r:id="rId16"/>
   </p:sldIdLst>
   <p:sldSz cx="12192000" cy="6858000"/>
   <p:notesSz cx="6858000" cy="9144000"/>
@@ -751,6 +754,258 @@
 </p:notes>
 </file>
 
+<file path=ppt/notesSlides/notesSlide10.xml><?xml version="1.0" encoding="utf-8"?>
+<p:notes xmlns:a="http://schemas.openxmlformats.org/drawingml/2006/main" xmlns:r="http://schemas.openxmlformats.org/officeDocument/2006/relationships" xmlns:p="http://schemas.openxmlformats.org/presentationml/2006/main">
+  <p:cSld>
+    <p:spTree>
+      <p:nvGrpSpPr>
+        <p:cNvPr id="1" name=""/>
+        <p:cNvGrpSpPr/>
+        <p:nvPr/>
+      </p:nvGrpSpPr>
+      <p:grpSpPr>
+        <a:xfrm>
+          <a:off x="0" y="0"/>
+          <a:ext cx="0" cy="0"/>
+          <a:chOff x="0" y="0"/>
+          <a:chExt cx="0" cy="0"/>
+        </a:xfrm>
+      </p:grpSpPr>
+      <p:sp>
+        <p:nvSpPr>
+          <p:cNvPr id="2" name="Slide Image Placeholder 1"/>
+          <p:cNvSpPr>
+            <a:spLocks noGrp="1" noRot="1" noChangeAspect="1"/>
+          </p:cNvSpPr>
+          <p:nvPr>
+            <p:ph type="sldImg"/>
+          </p:nvPr>
+        </p:nvSpPr>
+        <p:spPr/>
+      </p:sp>
+      <p:sp>
+        <p:nvSpPr>
+          <p:cNvPr id="3" name="Notes Placeholder 2"/>
+          <p:cNvSpPr>
+            <a:spLocks noGrp="1"/>
+          </p:cNvSpPr>
+          <p:nvPr>
+            <p:ph type="body" idx="1"/>
+          </p:nvPr>
+        </p:nvSpPr>
+        <p:spPr/>
+        <p:txBody>
+          <a:bodyPr/>
+          <a:lstStyle/>
+          <a:p>
+            <a:endParaRPr lang="en-US" dirty="0"/>
+          </a:p>
+        </p:txBody>
+      </p:sp>
+      <p:sp>
+        <p:nvSpPr>
+          <p:cNvPr id="4" name="Slide Number Placeholder 3"/>
+          <p:cNvSpPr>
+            <a:spLocks noGrp="1"/>
+          </p:cNvSpPr>
+          <p:nvPr>
+            <p:ph type="sldNum" sz="quarter" idx="5"/>
+          </p:nvPr>
+        </p:nvSpPr>
+        <p:spPr/>
+        <p:txBody>
+          <a:bodyPr/>
+          <a:lstStyle/>
+          <a:p>
+            <a:fld id="{22289C57-55D7-40A4-A101-E74FAC7A092B}" type="slidenum">
+              <a:rPr lang="en-US" smtClean="0"/>
+              <a:t>10</a:t>
+            </a:fld>
+            <a:endParaRPr lang="en-US" dirty="0"/>
+          </a:p>
+        </p:txBody>
+      </p:sp>
+    </p:spTree>
+    <p:extLst>
+      <p:ext uri="{BB962C8B-B14F-4D97-AF65-F5344CB8AC3E}">
+        <p14:creationId xmlns:p14="http://schemas.microsoft.com/office/powerpoint/2010/main" val="542818078"/>
+      </p:ext>
+    </p:extLst>
+  </p:cSld>
+  <p:clrMapOvr>
+    <a:masterClrMapping/>
+  </p:clrMapOvr>
+</p:notes>
+</file>
+
+<file path=ppt/notesSlides/notesSlide11.xml><?xml version="1.0" encoding="utf-8"?>
+<p:notes xmlns:a="http://schemas.openxmlformats.org/drawingml/2006/main" xmlns:r="http://schemas.openxmlformats.org/officeDocument/2006/relationships" xmlns:p="http://schemas.openxmlformats.org/presentationml/2006/main">
+  <p:cSld>
+    <p:spTree>
+      <p:nvGrpSpPr>
+        <p:cNvPr id="1" name=""/>
+        <p:cNvGrpSpPr/>
+        <p:nvPr/>
+      </p:nvGrpSpPr>
+      <p:grpSpPr>
+        <a:xfrm>
+          <a:off x="0" y="0"/>
+          <a:ext cx="0" cy="0"/>
+          <a:chOff x="0" y="0"/>
+          <a:chExt cx="0" cy="0"/>
+        </a:xfrm>
+      </p:grpSpPr>
+      <p:sp>
+        <p:nvSpPr>
+          <p:cNvPr id="2" name="Slide Image Placeholder 1"/>
+          <p:cNvSpPr>
+            <a:spLocks noGrp="1" noRot="1" noChangeAspect="1"/>
+          </p:cNvSpPr>
+          <p:nvPr>
+            <p:ph type="sldImg"/>
+          </p:nvPr>
+        </p:nvSpPr>
+        <p:spPr/>
+      </p:sp>
+      <p:sp>
+        <p:nvSpPr>
+          <p:cNvPr id="3" name="Notes Placeholder 2"/>
+          <p:cNvSpPr>
+            <a:spLocks noGrp="1"/>
+          </p:cNvSpPr>
+          <p:nvPr>
+            <p:ph type="body" idx="1"/>
+          </p:nvPr>
+        </p:nvSpPr>
+        <p:spPr/>
+        <p:txBody>
+          <a:bodyPr/>
+          <a:lstStyle/>
+          <a:p>
+            <a:endParaRPr lang="en-US" dirty="0"/>
+          </a:p>
+        </p:txBody>
+      </p:sp>
+      <p:sp>
+        <p:nvSpPr>
+          <p:cNvPr id="4" name="Slide Number Placeholder 3"/>
+          <p:cNvSpPr>
+            <a:spLocks noGrp="1"/>
+          </p:cNvSpPr>
+          <p:nvPr>
+            <p:ph type="sldNum" sz="quarter" idx="5"/>
+          </p:nvPr>
+        </p:nvSpPr>
+        <p:spPr/>
+        <p:txBody>
+          <a:bodyPr/>
+          <a:lstStyle/>
+          <a:p>
+            <a:fld id="{22289C57-55D7-40A4-A101-E74FAC7A092B}" type="slidenum">
+              <a:rPr lang="en-US" smtClean="0"/>
+              <a:t>11</a:t>
+            </a:fld>
+            <a:endParaRPr lang="en-US" dirty="0"/>
+          </a:p>
+        </p:txBody>
+      </p:sp>
+    </p:spTree>
+    <p:extLst>
+      <p:ext uri="{BB962C8B-B14F-4D97-AF65-F5344CB8AC3E}">
+        <p14:creationId xmlns:p14="http://schemas.microsoft.com/office/powerpoint/2010/main" val="736745530"/>
+      </p:ext>
+    </p:extLst>
+  </p:cSld>
+  <p:clrMapOvr>
+    <a:masterClrMapping/>
+  </p:clrMapOvr>
+</p:notes>
+</file>
+
+<file path=ppt/notesSlides/notesSlide12.xml><?xml version="1.0" encoding="utf-8"?>
+<p:notes xmlns:a="http://schemas.openxmlformats.org/drawingml/2006/main" xmlns:r="http://schemas.openxmlformats.org/officeDocument/2006/relationships" xmlns:p="http://schemas.openxmlformats.org/presentationml/2006/main">
+  <p:cSld>
+    <p:spTree>
+      <p:nvGrpSpPr>
+        <p:cNvPr id="1" name=""/>
+        <p:cNvGrpSpPr/>
+        <p:nvPr/>
+      </p:nvGrpSpPr>
+      <p:grpSpPr>
+        <a:xfrm>
+          <a:off x="0" y="0"/>
+          <a:ext cx="0" cy="0"/>
+          <a:chOff x="0" y="0"/>
+          <a:chExt cx="0" cy="0"/>
+        </a:xfrm>
+      </p:grpSpPr>
+      <p:sp>
+        <p:nvSpPr>
+          <p:cNvPr id="2" name="Slide Image Placeholder 1"/>
+          <p:cNvSpPr>
+            <a:spLocks noGrp="1" noRot="1" noChangeAspect="1"/>
+          </p:cNvSpPr>
+          <p:nvPr>
+            <p:ph type="sldImg"/>
+          </p:nvPr>
+        </p:nvSpPr>
+        <p:spPr/>
+      </p:sp>
+      <p:sp>
+        <p:nvSpPr>
+          <p:cNvPr id="3" name="Notes Placeholder 2"/>
+          <p:cNvSpPr>
+            <a:spLocks noGrp="1"/>
+          </p:cNvSpPr>
+          <p:nvPr>
+            <p:ph type="body" idx="1"/>
+          </p:nvPr>
+        </p:nvSpPr>
+        <p:spPr/>
+        <p:txBody>
+          <a:bodyPr/>
+          <a:lstStyle/>
+          <a:p>
+            <a:endParaRPr lang="en-US" dirty="0"/>
+          </a:p>
+        </p:txBody>
+      </p:sp>
+      <p:sp>
+        <p:nvSpPr>
+          <p:cNvPr id="4" name="Slide Number Placeholder 3"/>
+          <p:cNvSpPr>
+            <a:spLocks noGrp="1"/>
+          </p:cNvSpPr>
+          <p:nvPr>
+            <p:ph type="sldNum" sz="quarter" idx="5"/>
+          </p:nvPr>
+        </p:nvSpPr>
+        <p:spPr/>
+        <p:txBody>
+          <a:bodyPr/>
+          <a:lstStyle/>
+          <a:p>
+            <a:fld id="{22289C57-55D7-40A4-A101-E74FAC7A092B}" type="slidenum">
+              <a:rPr lang="en-US" smtClean="0"/>
+              <a:t>12</a:t>
+            </a:fld>
+            <a:endParaRPr lang="en-US" dirty="0"/>
+          </a:p>
+        </p:txBody>
+      </p:sp>
+    </p:spTree>
+    <p:extLst>
+      <p:ext uri="{BB962C8B-B14F-4D97-AF65-F5344CB8AC3E}">
+        <p14:creationId xmlns:p14="http://schemas.microsoft.com/office/powerpoint/2010/main" val="702683811"/>
+      </p:ext>
+    </p:extLst>
+  </p:cSld>
+  <p:clrMapOvr>
+    <a:masterClrMapping/>
+  </p:clrMapOvr>
+</p:notes>
+</file>
+
 <file path=ppt/notesSlides/notesSlide2.xml><?xml version="1.0" encoding="utf-8"?>
 <p:notes xmlns:a="http://schemas.openxmlformats.org/drawingml/2006/main" xmlns:r="http://schemas.openxmlformats.org/officeDocument/2006/relationships" xmlns:p="http://schemas.openxmlformats.org/presentationml/2006/main">
   <p:cSld>
@@ -1329,7 +1584,7 @@
     </p:spTree>
     <p:extLst>
       <p:ext uri="{BB962C8B-B14F-4D97-AF65-F5344CB8AC3E}">
-        <p14:creationId xmlns:p14="http://schemas.microsoft.com/office/powerpoint/2010/main" val="736745530"/>
+        <p14:creationId xmlns:p14="http://schemas.microsoft.com/office/powerpoint/2010/main" val="3780978759"/>
       </p:ext>
     </p:extLst>
   </p:cSld>
@@ -1413,7 +1668,7 @@
     </p:spTree>
     <p:extLst>
       <p:ext uri="{BB962C8B-B14F-4D97-AF65-F5344CB8AC3E}">
-        <p14:creationId xmlns:p14="http://schemas.microsoft.com/office/powerpoint/2010/main" val="702683811"/>
+        <p14:creationId xmlns:p14="http://schemas.microsoft.com/office/powerpoint/2010/main" val="759624655"/>
       </p:ext>
     </p:extLst>
   </p:cSld>
@@ -6838,6 +7093,624 @@
 </p:sld>
 </file>
 
+<file path=ppt/slides/slide10.xml><?xml version="1.0" encoding="utf-8"?>
+<p:sld xmlns:a="http://schemas.openxmlformats.org/drawingml/2006/main" xmlns:r="http://schemas.openxmlformats.org/officeDocument/2006/relationships" xmlns:p="http://schemas.openxmlformats.org/presentationml/2006/main">
+  <p:cSld>
+    <p:spTree>
+      <p:nvGrpSpPr>
+        <p:cNvPr id="1" name=""/>
+        <p:cNvGrpSpPr/>
+        <p:nvPr/>
+      </p:nvGrpSpPr>
+      <p:grpSpPr>
+        <a:xfrm>
+          <a:off x="0" y="0"/>
+          <a:ext cx="0" cy="0"/>
+          <a:chOff x="0" y="0"/>
+          <a:chExt cx="0" cy="0"/>
+        </a:xfrm>
+      </p:grpSpPr>
+      <p:sp>
+        <p:nvSpPr>
+          <p:cNvPr id="2" name="Title 1">
+            <a:extLst>
+              <a:ext uri="{FF2B5EF4-FFF2-40B4-BE49-F238E27FC236}">
+                <a16:creationId xmlns:a16="http://schemas.microsoft.com/office/drawing/2014/main" id="{8B27D9B3-B64F-656A-0D99-161A6C0F518F}"/>
+              </a:ext>
+            </a:extLst>
+          </p:cNvPr>
+          <p:cNvSpPr>
+            <a:spLocks noGrp="1"/>
+          </p:cNvSpPr>
+          <p:nvPr>
+            <p:ph type="title"/>
+          </p:nvPr>
+        </p:nvSpPr>
+        <p:spPr>
+          <a:xfrm>
+            <a:off x="488865" y="611891"/>
+            <a:ext cx="11629154" cy="994791"/>
+          </a:xfrm>
+        </p:spPr>
+        <p:txBody>
+          <a:bodyPr/>
+          <a:lstStyle/>
+          <a:p>
+            <a:r>
+              <a:rPr lang="en-US" dirty="0"/>
+              <a:t>Comparison</a:t>
+            </a:r>
+          </a:p>
+        </p:txBody>
+      </p:sp>
+      <p:sp>
+        <p:nvSpPr>
+          <p:cNvPr id="68" name="Slide Number Placeholder 67">
+            <a:extLst>
+              <a:ext uri="{FF2B5EF4-FFF2-40B4-BE49-F238E27FC236}">
+                <a16:creationId xmlns:a16="http://schemas.microsoft.com/office/drawing/2014/main" id="{AA0ACADD-CC4E-851C-DA07-C22DB97FA23E}"/>
+              </a:ext>
+            </a:extLst>
+          </p:cNvPr>
+          <p:cNvSpPr>
+            <a:spLocks noGrp="1"/>
+          </p:cNvSpPr>
+          <p:nvPr>
+            <p:ph type="sldNum" sz="quarter" idx="13"/>
+          </p:nvPr>
+        </p:nvSpPr>
+        <p:spPr>
+          <a:xfrm>
+            <a:off x="10373350" y="6356349"/>
+            <a:ext cx="987552" cy="365125"/>
+          </a:xfrm>
+        </p:spPr>
+        <p:txBody>
+          <a:bodyPr/>
+          <a:lstStyle/>
+          <a:p>
+            <a:fld id="{A49DFD55-3C28-40EF-9E31-A92D2E4017FF}" type="slidenum">
+              <a:rPr lang="en-US" smtClean="0"/>
+              <a:pPr/>
+              <a:t>10</a:t>
+            </a:fld>
+            <a:endParaRPr lang="en-US" dirty="0"/>
+          </a:p>
+        </p:txBody>
+      </p:sp>
+      <p:graphicFrame>
+        <p:nvGraphicFramePr>
+          <p:cNvPr id="5" name="Table 4">
+            <a:extLst>
+              <a:ext uri="{FF2B5EF4-FFF2-40B4-BE49-F238E27FC236}">
+                <a16:creationId xmlns:a16="http://schemas.microsoft.com/office/drawing/2014/main" id="{C1754EC0-7714-4AB5-887F-2DD2AD8CC4EA}"/>
+              </a:ext>
+            </a:extLst>
+          </p:cNvPr>
+          <p:cNvGraphicFramePr>
+            <a:graphicFrameLocks noGrp="1"/>
+          </p:cNvGraphicFramePr>
+          <p:nvPr>
+            <p:extLst>
+              <p:ext uri="{D42A27DB-BD31-4B8C-83A1-F6EECF244321}">
+                <p14:modId xmlns:p14="http://schemas.microsoft.com/office/powerpoint/2010/main" val="456477079"/>
+              </p:ext>
+            </p:extLst>
+          </p:nvPr>
+        </p:nvGraphicFramePr>
+        <p:xfrm>
+          <a:off x="2512382" y="2911891"/>
+          <a:ext cx="6256032" cy="1249680"/>
+        </p:xfrm>
+        <a:graphic>
+          <a:graphicData uri="http://schemas.openxmlformats.org/drawingml/2006/table">
+            <a:tbl>
+              <a:tblPr>
+                <a:tableStyleId>{5C22544A-7EE6-4342-B048-85BDC9FD1C3A}</a:tableStyleId>
+              </a:tblPr>
+              <a:tblGrid>
+                <a:gridCol w="2020753">
+                  <a:extLst>
+                    <a:ext uri="{9D8B030D-6E8A-4147-A177-3AD203B41FA5}">
+                      <a16:colId xmlns:a16="http://schemas.microsoft.com/office/drawing/2014/main" val="166988047"/>
+                    </a:ext>
+                  </a:extLst>
+                </a:gridCol>
+                <a:gridCol w="4235279">
+                  <a:extLst>
+                    <a:ext uri="{9D8B030D-6E8A-4147-A177-3AD203B41FA5}">
+                      <a16:colId xmlns:a16="http://schemas.microsoft.com/office/drawing/2014/main" val="1253602466"/>
+                    </a:ext>
+                  </a:extLst>
+                </a:gridCol>
+              </a:tblGrid>
+              <a:tr h="182880">
+                <a:tc>
+                  <a:txBody>
+                    <a:bodyPr/>
+                    <a:lstStyle/>
+                    <a:p>
+                      <a:pPr algn="l" fontAlgn="b"/>
+                      <a:r>
+                        <a:rPr lang="en-PK" sz="2000" u="none" strike="noStrike">
+                          <a:effectLst/>
+                        </a:rPr>
+                        <a:t> </a:t>
+                      </a:r>
+                      <a:endParaRPr lang="en-PK" sz="2000" b="0" i="0" u="none" strike="noStrike">
+                        <a:solidFill>
+                          <a:srgbClr val="000000"/>
+                        </a:solidFill>
+                        <a:effectLst/>
+                        <a:latin typeface="Calibri" panose="020F0502020204030204" pitchFamily="34" charset="0"/>
+                      </a:endParaRPr>
+                    </a:p>
+                  </a:txBody>
+                  <a:tcPr marL="7620" marR="7620" marT="7620" marB="0" anchor="b"/>
+                </a:tc>
+                <a:tc>
+                  <a:txBody>
+                    <a:bodyPr/>
+                    <a:lstStyle/>
+                    <a:p>
+                      <a:pPr algn="r" fontAlgn="b"/>
+                      <a:r>
+                        <a:rPr lang="en-US" sz="2000" u="none" strike="noStrike" dirty="0">
+                          <a:effectLst/>
+                        </a:rPr>
+                        <a:t>F1-Score</a:t>
+                      </a:r>
+                      <a:endParaRPr lang="en-US" sz="2000" b="1" i="0" u="none" strike="noStrike" dirty="0">
+                        <a:solidFill>
+                          <a:srgbClr val="000000"/>
+                        </a:solidFill>
+                        <a:effectLst/>
+                        <a:latin typeface="Calibri" panose="020F0502020204030204" pitchFamily="34" charset="0"/>
+                      </a:endParaRPr>
+                    </a:p>
+                  </a:txBody>
+                  <a:tcPr marL="7620" marR="7620" marT="7620" marB="0" anchor="b"/>
+                </a:tc>
+                <a:extLst>
+                  <a:ext uri="{0D108BD9-81ED-4DB2-BD59-A6C34878D82A}">
+                    <a16:rowId xmlns:a16="http://schemas.microsoft.com/office/drawing/2014/main" val="52771672"/>
+                  </a:ext>
+                </a:extLst>
+              </a:tr>
+              <a:tr h="182880">
+                <a:tc>
+                  <a:txBody>
+                    <a:bodyPr/>
+                    <a:lstStyle/>
+                    <a:p>
+                      <a:pPr algn="l" fontAlgn="b"/>
+                      <a:r>
+                        <a:rPr lang="en-US" sz="2000" u="none" strike="noStrike" dirty="0">
+                          <a:effectLst/>
+                        </a:rPr>
+                        <a:t>Baseline Model</a:t>
+                      </a:r>
+                      <a:endParaRPr lang="en-US" sz="2000" b="1" i="0" u="none" strike="noStrike" dirty="0">
+                        <a:solidFill>
+                          <a:srgbClr val="000000"/>
+                        </a:solidFill>
+                        <a:effectLst/>
+                        <a:latin typeface="Calibri" panose="020F0502020204030204" pitchFamily="34" charset="0"/>
+                      </a:endParaRPr>
+                    </a:p>
+                  </a:txBody>
+                  <a:tcPr marL="7620" marR="7620" marT="7620" marB="0" anchor="b"/>
+                </a:tc>
+                <a:tc>
+                  <a:txBody>
+                    <a:bodyPr/>
+                    <a:lstStyle/>
+                    <a:p>
+                      <a:pPr algn="r" fontAlgn="b"/>
+                      <a:r>
+                        <a:rPr lang="en-PK" sz="2000" u="none" strike="noStrike">
+                          <a:effectLst/>
+                        </a:rPr>
+                        <a:t>0.004</a:t>
+                      </a:r>
+                      <a:endParaRPr lang="en-PK" sz="2000" b="0" i="0" u="none" strike="noStrike">
+                        <a:solidFill>
+                          <a:srgbClr val="000000"/>
+                        </a:solidFill>
+                        <a:effectLst/>
+                        <a:latin typeface="Calibri" panose="020F0502020204030204" pitchFamily="34" charset="0"/>
+                      </a:endParaRPr>
+                    </a:p>
+                  </a:txBody>
+                  <a:tcPr marL="7620" marR="7620" marT="7620" marB="0" anchor="b"/>
+                </a:tc>
+                <a:extLst>
+                  <a:ext uri="{0D108BD9-81ED-4DB2-BD59-A6C34878D82A}">
+                    <a16:rowId xmlns:a16="http://schemas.microsoft.com/office/drawing/2014/main" val="305775541"/>
+                  </a:ext>
+                </a:extLst>
+              </a:tr>
+              <a:tr h="182880">
+                <a:tc>
+                  <a:txBody>
+                    <a:bodyPr/>
+                    <a:lstStyle/>
+                    <a:p>
+                      <a:pPr algn="l" fontAlgn="b"/>
+                      <a:r>
+                        <a:rPr lang="en-US" sz="2000" u="none" strike="noStrike" dirty="0">
+                          <a:effectLst/>
+                        </a:rPr>
+                        <a:t>VAE Model</a:t>
+                      </a:r>
+                      <a:endParaRPr lang="en-US" sz="2000" b="1" i="0" u="none" strike="noStrike" dirty="0">
+                        <a:solidFill>
+                          <a:srgbClr val="000000"/>
+                        </a:solidFill>
+                        <a:effectLst/>
+                        <a:latin typeface="Calibri" panose="020F0502020204030204" pitchFamily="34" charset="0"/>
+                      </a:endParaRPr>
+                    </a:p>
+                  </a:txBody>
+                  <a:tcPr marL="7620" marR="7620" marT="7620" marB="0" anchor="b"/>
+                </a:tc>
+                <a:tc>
+                  <a:txBody>
+                    <a:bodyPr/>
+                    <a:lstStyle/>
+                    <a:p>
+                      <a:pPr algn="r" fontAlgn="b"/>
+                      <a:r>
+                        <a:rPr lang="en-PK" sz="2000" u="none" strike="noStrike">
+                          <a:effectLst/>
+                        </a:rPr>
+                        <a:t>0.003</a:t>
+                      </a:r>
+                      <a:endParaRPr lang="en-PK" sz="2000" b="0" i="0" u="none" strike="noStrike">
+                        <a:solidFill>
+                          <a:srgbClr val="000000"/>
+                        </a:solidFill>
+                        <a:effectLst/>
+                        <a:latin typeface="Calibri" panose="020F0502020204030204" pitchFamily="34" charset="0"/>
+                      </a:endParaRPr>
+                    </a:p>
+                  </a:txBody>
+                  <a:tcPr marL="7620" marR="7620" marT="7620" marB="0" anchor="b"/>
+                </a:tc>
+                <a:extLst>
+                  <a:ext uri="{0D108BD9-81ED-4DB2-BD59-A6C34878D82A}">
+                    <a16:rowId xmlns:a16="http://schemas.microsoft.com/office/drawing/2014/main" val="1019477341"/>
+                  </a:ext>
+                </a:extLst>
+              </a:tr>
+              <a:tr h="182880">
+                <a:tc>
+                  <a:txBody>
+                    <a:bodyPr/>
+                    <a:lstStyle/>
+                    <a:p>
+                      <a:pPr algn="l" fontAlgn="b"/>
+                      <a:r>
+                        <a:rPr lang="en-US" sz="2000" u="none" strike="noStrike">
+                          <a:effectLst/>
+                        </a:rPr>
+                        <a:t>SMOTE &amp; NN</a:t>
+                      </a:r>
+                      <a:endParaRPr lang="en-US" sz="2000" b="1" i="0" u="none" strike="noStrike">
+                        <a:solidFill>
+                          <a:srgbClr val="000000"/>
+                        </a:solidFill>
+                        <a:effectLst/>
+                        <a:latin typeface="Calibri" panose="020F0502020204030204" pitchFamily="34" charset="0"/>
+                      </a:endParaRPr>
+                    </a:p>
+                  </a:txBody>
+                  <a:tcPr marL="7620" marR="7620" marT="7620" marB="0" anchor="b"/>
+                </a:tc>
+                <a:tc>
+                  <a:txBody>
+                    <a:bodyPr/>
+                    <a:lstStyle/>
+                    <a:p>
+                      <a:pPr algn="r" fontAlgn="b"/>
+                      <a:r>
+                        <a:rPr lang="en-PK" sz="2000" u="none" strike="noStrike" dirty="0">
+                          <a:effectLst/>
+                        </a:rPr>
+                        <a:t>0.02</a:t>
+                      </a:r>
+                      <a:endParaRPr lang="en-PK" sz="2000" b="0" i="0" u="none" strike="noStrike" dirty="0">
+                        <a:solidFill>
+                          <a:srgbClr val="000000"/>
+                        </a:solidFill>
+                        <a:effectLst/>
+                        <a:latin typeface="Calibri" panose="020F0502020204030204" pitchFamily="34" charset="0"/>
+                      </a:endParaRPr>
+                    </a:p>
+                  </a:txBody>
+                  <a:tcPr marL="7620" marR="7620" marT="7620" marB="0" anchor="b"/>
+                </a:tc>
+                <a:extLst>
+                  <a:ext uri="{0D108BD9-81ED-4DB2-BD59-A6C34878D82A}">
+                    <a16:rowId xmlns:a16="http://schemas.microsoft.com/office/drawing/2014/main" val="2994396792"/>
+                  </a:ext>
+                </a:extLst>
+              </a:tr>
+            </a:tbl>
+          </a:graphicData>
+        </a:graphic>
+      </p:graphicFrame>
+    </p:spTree>
+    <p:extLst>
+      <p:ext uri="{BB962C8B-B14F-4D97-AF65-F5344CB8AC3E}">
+        <p14:creationId xmlns:p14="http://schemas.microsoft.com/office/powerpoint/2010/main" val="2957226049"/>
+      </p:ext>
+    </p:extLst>
+  </p:cSld>
+  <p:clrMapOvr>
+    <a:masterClrMapping/>
+  </p:clrMapOvr>
+</p:sld>
+</file>
+
+<file path=ppt/slides/slide11.xml><?xml version="1.0" encoding="utf-8"?>
+<p:sld xmlns:a="http://schemas.openxmlformats.org/drawingml/2006/main" xmlns:r="http://schemas.openxmlformats.org/officeDocument/2006/relationships" xmlns:p="http://schemas.openxmlformats.org/presentationml/2006/main">
+  <p:cSld>
+    <p:spTree>
+      <p:nvGrpSpPr>
+        <p:cNvPr id="1" name=""/>
+        <p:cNvGrpSpPr/>
+        <p:nvPr/>
+      </p:nvGrpSpPr>
+      <p:grpSpPr>
+        <a:xfrm>
+          <a:off x="0" y="0"/>
+          <a:ext cx="0" cy="0"/>
+          <a:chOff x="0" y="0"/>
+          <a:chExt cx="0" cy="0"/>
+        </a:xfrm>
+      </p:grpSpPr>
+      <p:sp>
+        <p:nvSpPr>
+          <p:cNvPr id="2" name="Title 1">
+            <a:extLst>
+              <a:ext uri="{FF2B5EF4-FFF2-40B4-BE49-F238E27FC236}">
+                <a16:creationId xmlns:a16="http://schemas.microsoft.com/office/drawing/2014/main" id="{A95E2E6A-35EC-1B8E-0FD7-8C67870ACA64}"/>
+              </a:ext>
+            </a:extLst>
+          </p:cNvPr>
+          <p:cNvSpPr>
+            <a:spLocks noGrp="1"/>
+          </p:cNvSpPr>
+          <p:nvPr>
+            <p:ph type="title"/>
+          </p:nvPr>
+        </p:nvSpPr>
+        <p:spPr>
+          <a:xfrm>
+            <a:off x="2933700" y="568961"/>
+            <a:ext cx="8420100" cy="1780860"/>
+          </a:xfrm>
+        </p:spPr>
+        <p:txBody>
+          <a:bodyPr/>
+          <a:lstStyle/>
+          <a:p>
+            <a:r>
+              <a:rPr lang="en-US" dirty="0"/>
+              <a:t>outlook</a:t>
+            </a:r>
+          </a:p>
+        </p:txBody>
+      </p:sp>
+      <p:sp>
+        <p:nvSpPr>
+          <p:cNvPr id="35" name="Content Placeholder 34">
+            <a:extLst>
+              <a:ext uri="{FF2B5EF4-FFF2-40B4-BE49-F238E27FC236}">
+                <a16:creationId xmlns:a16="http://schemas.microsoft.com/office/drawing/2014/main" id="{EDBE6233-75E9-40D1-968F-58CA9AD0FF50}"/>
+              </a:ext>
+            </a:extLst>
+          </p:cNvPr>
+          <p:cNvSpPr>
+            <a:spLocks noGrp="1"/>
+          </p:cNvSpPr>
+          <p:nvPr>
+            <p:ph sz="half" idx="13"/>
+          </p:nvPr>
+        </p:nvSpPr>
+        <p:spPr>
+          <a:xfrm>
+            <a:off x="2933700" y="2505871"/>
+            <a:ext cx="8509617" cy="3234264"/>
+          </a:xfrm>
+        </p:spPr>
+        <p:txBody>
+          <a:bodyPr>
+            <a:normAutofit/>
+          </a:bodyPr>
+          <a:lstStyle/>
+          <a:p>
+            <a:pPr lvl="1"/>
+            <a:r>
+              <a:rPr lang="en-US" dirty="0"/>
+              <a:t>Need to work on Training data transformation to check if it can improve the model </a:t>
+            </a:r>
+            <a:r>
+              <a:rPr lang="en-US" dirty="0" err="1"/>
+              <a:t>proformance</a:t>
+            </a:r>
+            <a:endParaRPr lang="en-US" dirty="0"/>
+          </a:p>
+          <a:p>
+            <a:pPr lvl="1"/>
+            <a:r>
+              <a:rPr lang="en-US" dirty="0"/>
+              <a:t>Need to working on classification</a:t>
+            </a:r>
+          </a:p>
+          <a:p>
+            <a:pPr lvl="1"/>
+            <a:r>
+              <a:rPr lang="en-US" dirty="0"/>
+              <a:t>Need to rework on profiling</a:t>
+            </a:r>
+          </a:p>
+          <a:p>
+            <a:pPr lvl="1"/>
+            <a:r>
+              <a:rPr lang="en-US" dirty="0"/>
+              <a:t>Need more resources to process data</a:t>
+            </a:r>
+          </a:p>
+        </p:txBody>
+      </p:sp>
+      <p:sp>
+        <p:nvSpPr>
+          <p:cNvPr id="8" name="Slide Number Placeholder 7">
+            <a:extLst>
+              <a:ext uri="{FF2B5EF4-FFF2-40B4-BE49-F238E27FC236}">
+                <a16:creationId xmlns:a16="http://schemas.microsoft.com/office/drawing/2014/main" id="{8F44A959-C2BB-9170-C99C-1A2EDB71B994}"/>
+              </a:ext>
+            </a:extLst>
+          </p:cNvPr>
+          <p:cNvSpPr>
+            <a:spLocks noGrp="1"/>
+          </p:cNvSpPr>
+          <p:nvPr>
+            <p:ph type="sldNum" sz="quarter" idx="12"/>
+          </p:nvPr>
+        </p:nvSpPr>
+        <p:spPr>
+          <a:xfrm>
+            <a:off x="10373350" y="6356349"/>
+            <a:ext cx="987552" cy="365125"/>
+          </a:xfrm>
+        </p:spPr>
+        <p:txBody>
+          <a:bodyPr/>
+          <a:lstStyle/>
+          <a:p>
+            <a:fld id="{A49DFD55-3C28-40EF-9E31-A92D2E4017FF}" type="slidenum">
+              <a:rPr lang="en-US" smtClean="0"/>
+              <a:pPr/>
+              <a:t>11</a:t>
+            </a:fld>
+            <a:endParaRPr lang="en-US" dirty="0"/>
+          </a:p>
+        </p:txBody>
+      </p:sp>
+    </p:spTree>
+    <p:extLst>
+      <p:ext uri="{BB962C8B-B14F-4D97-AF65-F5344CB8AC3E}">
+        <p14:creationId xmlns:p14="http://schemas.microsoft.com/office/powerpoint/2010/main" val="392989333"/>
+      </p:ext>
+    </p:extLst>
+  </p:cSld>
+  <p:clrMapOvr>
+    <a:masterClrMapping/>
+  </p:clrMapOvr>
+</p:sld>
+</file>
+
+<file path=ppt/slides/slide12.xml><?xml version="1.0" encoding="utf-8"?>
+<p:sld xmlns:a="http://schemas.openxmlformats.org/drawingml/2006/main" xmlns:r="http://schemas.openxmlformats.org/officeDocument/2006/relationships" xmlns:p="http://schemas.openxmlformats.org/presentationml/2006/main">
+  <p:cSld>
+    <p:spTree>
+      <p:nvGrpSpPr>
+        <p:cNvPr id="1" name=""/>
+        <p:cNvGrpSpPr/>
+        <p:nvPr/>
+      </p:nvGrpSpPr>
+      <p:grpSpPr>
+        <a:xfrm>
+          <a:off x="0" y="0"/>
+          <a:ext cx="0" cy="0"/>
+          <a:chOff x="0" y="0"/>
+          <a:chExt cx="0" cy="0"/>
+        </a:xfrm>
+      </p:grpSpPr>
+      <p:sp>
+        <p:nvSpPr>
+          <p:cNvPr id="2" name="Title 1">
+            <a:extLst>
+              <a:ext uri="{FF2B5EF4-FFF2-40B4-BE49-F238E27FC236}">
+                <a16:creationId xmlns:a16="http://schemas.microsoft.com/office/drawing/2014/main" id="{8BDF1EDE-5423-435C-B149-87AB1BC22B83}"/>
+              </a:ext>
+            </a:extLst>
+          </p:cNvPr>
+          <p:cNvSpPr>
+            <a:spLocks noGrp="1"/>
+          </p:cNvSpPr>
+          <p:nvPr>
+            <p:ph type="ctrTitle"/>
+          </p:nvPr>
+        </p:nvSpPr>
+        <p:spPr>
+          <a:xfrm>
+            <a:off x="4267200" y="1615736"/>
+            <a:ext cx="4179570" cy="1524735"/>
+          </a:xfrm>
+        </p:spPr>
+        <p:txBody>
+          <a:bodyPr/>
+          <a:lstStyle/>
+          <a:p>
+            <a:r>
+              <a:rPr lang="en-US" dirty="0"/>
+              <a:t>THANK YOU</a:t>
+            </a:r>
+          </a:p>
+        </p:txBody>
+      </p:sp>
+      <p:sp>
+        <p:nvSpPr>
+          <p:cNvPr id="6" name="Slide Number Placeholder 5">
+            <a:extLst>
+              <a:ext uri="{FF2B5EF4-FFF2-40B4-BE49-F238E27FC236}">
+                <a16:creationId xmlns:a16="http://schemas.microsoft.com/office/drawing/2014/main" id="{4C127D99-645F-4FCF-9573-FDFE2A344FA9}"/>
+              </a:ext>
+            </a:extLst>
+          </p:cNvPr>
+          <p:cNvSpPr>
+            <a:spLocks noGrp="1"/>
+          </p:cNvSpPr>
+          <p:nvPr>
+            <p:ph type="sldNum" sz="quarter" idx="12"/>
+          </p:nvPr>
+        </p:nvSpPr>
+        <p:spPr>
+          <a:xfrm>
+            <a:off x="9579428" y="6356350"/>
+            <a:ext cx="1774371" cy="365125"/>
+          </a:xfrm>
+        </p:spPr>
+        <p:txBody>
+          <a:bodyPr/>
+          <a:lstStyle/>
+          <a:p>
+            <a:fld id="{A49DFD55-3C28-40EF-9E31-A92D2E4017FF}" type="slidenum">
+              <a:rPr lang="en-US" smtClean="0"/>
+              <a:pPr/>
+              <a:t>12</a:t>
+            </a:fld>
+            <a:endParaRPr lang="en-US" dirty="0"/>
+          </a:p>
+        </p:txBody>
+      </p:sp>
+    </p:spTree>
+    <p:extLst>
+      <p:ext uri="{BB962C8B-B14F-4D97-AF65-F5344CB8AC3E}">
+        <p14:creationId xmlns:p14="http://schemas.microsoft.com/office/powerpoint/2010/main" val="1969787568"/>
+      </p:ext>
+    </p:extLst>
+  </p:cSld>
+  <p:clrMapOvr>
+    <a:masterClrMapping/>
+  </p:clrMapOvr>
+</p:sld>
+</file>
+
 <file path=ppt/slides/slide2.xml><?xml version="1.0" encoding="utf-8"?>
 <p:sld xmlns:a="http://schemas.openxmlformats.org/drawingml/2006/main" xmlns:r="http://schemas.openxmlformats.org/officeDocument/2006/relationships" xmlns:p="http://schemas.openxmlformats.org/presentationml/2006/main">
   <p:cSld>
@@ -8397,10 +9270,10 @@
       </p:pic>
       <p:pic>
         <p:nvPicPr>
-          <p:cNvPr id="15" name="Picture 14" descr="A graph of loss and validation&#10;&#10;Description automatically generated">
-            <a:extLst>
-              <a:ext uri="{FF2B5EF4-FFF2-40B4-BE49-F238E27FC236}">
-                <a16:creationId xmlns:a16="http://schemas.microsoft.com/office/drawing/2014/main" id="{ED5ABF54-3A3E-4E5E-8418-774FF61A5D06}"/>
+          <p:cNvPr id="3" name="Picture 2">
+            <a:extLst>
+              <a:ext uri="{FF2B5EF4-FFF2-40B4-BE49-F238E27FC236}">
+                <a16:creationId xmlns:a16="http://schemas.microsoft.com/office/drawing/2014/main" id="{B2644D94-432F-40F2-8BB4-BDB41DD09B8A}"/>
               </a:ext>
             </a:extLst>
           </p:cNvPr>
@@ -8417,8 +9290,8 @@
         </p:blipFill>
         <p:spPr>
           <a:xfrm>
-            <a:off x="683877" y="4869741"/>
-            <a:ext cx="4364647" cy="1926632"/>
+            <a:off x="925126" y="5198267"/>
+            <a:ext cx="5486400" cy="1314450"/>
           </a:xfrm>
           <a:prstGeom prst="rect">
             <a:avLst/>
@@ -8619,57 +9492,24 @@
       </p:grpSpPr>
       <p:sp>
         <p:nvSpPr>
-          <p:cNvPr id="2" name="Title 1">
-            <a:extLst>
-              <a:ext uri="{FF2B5EF4-FFF2-40B4-BE49-F238E27FC236}">
-                <a16:creationId xmlns:a16="http://schemas.microsoft.com/office/drawing/2014/main" id="{A95E2E6A-35EC-1B8E-0FD7-8C67870ACA64}"/>
-              </a:ext>
-            </a:extLst>
-          </p:cNvPr>
-          <p:cNvSpPr>
-            <a:spLocks noGrp="1"/>
-          </p:cNvSpPr>
-          <p:nvPr>
-            <p:ph type="title"/>
-          </p:nvPr>
-        </p:nvSpPr>
-        <p:spPr>
-          <a:xfrm>
-            <a:off x="2933700" y="568961"/>
-            <a:ext cx="8420100" cy="1780860"/>
-          </a:xfrm>
-        </p:spPr>
-        <p:txBody>
-          <a:bodyPr/>
-          <a:lstStyle/>
-          <a:p>
-            <a:r>
-              <a:rPr lang="en-US" dirty="0"/>
-              <a:t>outlook</a:t>
-            </a:r>
-          </a:p>
-        </p:txBody>
-      </p:sp>
-      <p:sp>
-        <p:nvSpPr>
-          <p:cNvPr id="35" name="Content Placeholder 34">
-            <a:extLst>
-              <a:ext uri="{FF2B5EF4-FFF2-40B4-BE49-F238E27FC236}">
-                <a16:creationId xmlns:a16="http://schemas.microsoft.com/office/drawing/2014/main" id="{EDBE6233-75E9-40D1-968F-58CA9AD0FF50}"/>
-              </a:ext>
-            </a:extLst>
-          </p:cNvPr>
-          <p:cNvSpPr>
-            <a:spLocks noGrp="1"/>
-          </p:cNvSpPr>
-          <p:nvPr>
-            <p:ph sz="half" idx="13"/>
-          </p:nvPr>
-        </p:nvSpPr>
-        <p:spPr>
-          <a:xfrm>
-            <a:off x="2933700" y="2505871"/>
-            <a:ext cx="8509617" cy="3234264"/>
+          <p:cNvPr id="6" name="Text Placeholder 5">
+            <a:extLst>
+              <a:ext uri="{FF2B5EF4-FFF2-40B4-BE49-F238E27FC236}">
+                <a16:creationId xmlns:a16="http://schemas.microsoft.com/office/drawing/2014/main" id="{B587B122-1579-FDB8-443B-F05E622163C3}"/>
+              </a:ext>
+            </a:extLst>
+          </p:cNvPr>
+          <p:cNvSpPr>
+            <a:spLocks noGrp="1"/>
+          </p:cNvSpPr>
+          <p:nvPr>
+            <p:ph sz="half" idx="16"/>
+          </p:nvPr>
+        </p:nvSpPr>
+        <p:spPr>
+          <a:xfrm>
+            <a:off x="1219937" y="1980973"/>
+            <a:ext cx="5660255" cy="3238499"/>
           </a:xfrm>
         </p:spPr>
         <p:txBody>
@@ -8678,34 +9518,65 @@
           </a:bodyPr>
           <a:lstStyle/>
           <a:p>
-            <a:pPr lvl="1"/>
+            <a:r>
+              <a:rPr lang="en-US" b="1" dirty="0"/>
+              <a:t>Model Choice</a:t>
+            </a:r>
             <a:r>
               <a:rPr lang="en-US" dirty="0"/>
-              <a:t>Need to working on classification</a:t>
-            </a:r>
-          </a:p>
-          <a:p>
-            <a:pPr lvl="1"/>
+              <a:t>: Used SMOTE for data generation and Neural Network for classification</a:t>
+            </a:r>
+          </a:p>
+          <a:p>
+            <a:r>
+              <a:rPr lang="en-US" b="1" dirty="0"/>
+              <a:t>Hyperparameter tuning</a:t>
+            </a:r>
             <a:r>
               <a:rPr lang="en-US" dirty="0"/>
-              <a:t>Need to rework on profiling</a:t>
-            </a:r>
-          </a:p>
-          <a:p>
-            <a:pPr lvl="1"/>
+              <a:t>: Used </a:t>
+            </a:r>
+            <a:r>
+              <a:rPr lang="en-US" dirty="0" err="1"/>
+              <a:t>Keras</a:t>
+            </a:r>
             <a:r>
               <a:rPr lang="en-US" dirty="0"/>
-              <a:t>Need more resources to process data</a:t>
-            </a:r>
-          </a:p>
-        </p:txBody>
-      </p:sp>
-      <p:sp>
-        <p:nvSpPr>
-          <p:cNvPr id="8" name="Slide Number Placeholder 7">
-            <a:extLst>
-              <a:ext uri="{FF2B5EF4-FFF2-40B4-BE49-F238E27FC236}">
-                <a16:creationId xmlns:a16="http://schemas.microsoft.com/office/drawing/2014/main" id="{8F44A959-C2BB-9170-C99C-1A2EDB71B994}"/>
+              <a:t> </a:t>
+            </a:r>
+            <a:r>
+              <a:rPr lang="en-US" dirty="0" err="1"/>
+              <a:t>Tunner</a:t>
+            </a:r>
+            <a:r>
+              <a:rPr lang="en-US" dirty="0"/>
+              <a:t> for hyperparameter tuning</a:t>
+            </a:r>
+          </a:p>
+          <a:p>
+            <a:r>
+              <a:rPr lang="en-US" b="1" dirty="0"/>
+              <a:t>Improved Detection</a:t>
+            </a:r>
+            <a:r>
+              <a:rPr lang="en-US" dirty="0"/>
+              <a:t>: Achieved the best performance from previous models</a:t>
+            </a:r>
+          </a:p>
+          <a:p>
+            <a:r>
+              <a:rPr lang="en-US" dirty="0"/>
+              <a:t>Still getting False Positive cases</a:t>
+            </a:r>
+          </a:p>
+        </p:txBody>
+      </p:sp>
+      <p:sp>
+        <p:nvSpPr>
+          <p:cNvPr id="5" name="Slide Number Placeholder 4">
+            <a:extLst>
+              <a:ext uri="{FF2B5EF4-FFF2-40B4-BE49-F238E27FC236}">
+                <a16:creationId xmlns:a16="http://schemas.microsoft.com/office/drawing/2014/main" id="{E74B0ADB-527F-A58C-9372-D8502ED6F918}"/>
               </a:ext>
             </a:extLst>
           </p:cNvPr>
@@ -8735,10 +9606,77 @@
           </a:p>
         </p:txBody>
       </p:sp>
+      <p:sp>
+        <p:nvSpPr>
+          <p:cNvPr id="11" name="Title 1">
+            <a:extLst>
+              <a:ext uri="{FF2B5EF4-FFF2-40B4-BE49-F238E27FC236}">
+                <a16:creationId xmlns:a16="http://schemas.microsoft.com/office/drawing/2014/main" id="{3F26E019-C576-49AE-A3CC-C2336BFCE786}"/>
+              </a:ext>
+            </a:extLst>
+          </p:cNvPr>
+          <p:cNvSpPr>
+            <a:spLocks noGrp="1"/>
+          </p:cNvSpPr>
+          <p:nvPr>
+            <p:ph type="title"/>
+          </p:nvPr>
+        </p:nvSpPr>
+        <p:spPr>
+          <a:xfrm>
+            <a:off x="1290958" y="1091285"/>
+            <a:ext cx="11629154" cy="994791"/>
+          </a:xfrm>
+        </p:spPr>
+        <p:txBody>
+          <a:bodyPr/>
+          <a:lstStyle/>
+          <a:p>
+            <a:r>
+              <a:rPr lang="en-US" dirty="0" err="1"/>
+              <a:t>ModeL</a:t>
+            </a:r>
+            <a:r>
+              <a:rPr lang="en-US" dirty="0"/>
+              <a:t> (SMOTE - NN) (1/2)</a:t>
+            </a:r>
+          </a:p>
+        </p:txBody>
+      </p:sp>
+      <p:pic>
+        <p:nvPicPr>
+          <p:cNvPr id="3" name="Picture 2">
+            <a:extLst>
+              <a:ext uri="{FF2B5EF4-FFF2-40B4-BE49-F238E27FC236}">
+                <a16:creationId xmlns:a16="http://schemas.microsoft.com/office/drawing/2014/main" id="{19F64D95-B42B-4D2B-8297-F59E9A21C0DE}"/>
+              </a:ext>
+            </a:extLst>
+          </p:cNvPr>
+          <p:cNvPicPr>
+            <a:picLocks noChangeAspect="1"/>
+          </p:cNvPicPr>
+          <p:nvPr/>
+        </p:nvPicPr>
+        <p:blipFill>
+          <a:blip r:embed="rId3"/>
+          <a:stretch>
+            <a:fillRect/>
+          </a:stretch>
+        </p:blipFill>
+        <p:spPr>
+          <a:xfrm>
+            <a:off x="6096000" y="4571772"/>
+            <a:ext cx="5534025" cy="1295400"/>
+          </a:xfrm>
+          <a:prstGeom prst="rect">
+            <a:avLst/>
+          </a:prstGeom>
+        </p:spPr>
+      </p:pic>
     </p:spTree>
     <p:extLst>
       <p:ext uri="{BB962C8B-B14F-4D97-AF65-F5344CB8AC3E}">
-        <p14:creationId xmlns:p14="http://schemas.microsoft.com/office/powerpoint/2010/main" val="392989333"/>
+        <p14:creationId xmlns:p14="http://schemas.microsoft.com/office/powerpoint/2010/main" val="4016767497"/>
       </p:ext>
     </p:extLst>
   </p:cSld>
@@ -8767,43 +9705,10 @@
       </p:grpSpPr>
       <p:sp>
         <p:nvSpPr>
-          <p:cNvPr id="2" name="Title 1">
-            <a:extLst>
-              <a:ext uri="{FF2B5EF4-FFF2-40B4-BE49-F238E27FC236}">
-                <a16:creationId xmlns:a16="http://schemas.microsoft.com/office/drawing/2014/main" id="{8BDF1EDE-5423-435C-B149-87AB1BC22B83}"/>
-              </a:ext>
-            </a:extLst>
-          </p:cNvPr>
-          <p:cNvSpPr>
-            <a:spLocks noGrp="1"/>
-          </p:cNvSpPr>
-          <p:nvPr>
-            <p:ph type="ctrTitle"/>
-          </p:nvPr>
-        </p:nvSpPr>
-        <p:spPr>
-          <a:xfrm>
-            <a:off x="4267200" y="1615736"/>
-            <a:ext cx="4179570" cy="1524735"/>
-          </a:xfrm>
-        </p:spPr>
-        <p:txBody>
-          <a:bodyPr/>
-          <a:lstStyle/>
-          <a:p>
-            <a:r>
-              <a:rPr lang="en-US" dirty="0"/>
-              <a:t>THANK YOU</a:t>
-            </a:r>
-          </a:p>
-        </p:txBody>
-      </p:sp>
-      <p:sp>
-        <p:nvSpPr>
-          <p:cNvPr id="6" name="Slide Number Placeholder 5">
-            <a:extLst>
-              <a:ext uri="{FF2B5EF4-FFF2-40B4-BE49-F238E27FC236}">
-                <a16:creationId xmlns:a16="http://schemas.microsoft.com/office/drawing/2014/main" id="{4C127D99-645F-4FCF-9573-FDFE2A344FA9}"/>
+          <p:cNvPr id="5" name="Slide Number Placeholder 4">
+            <a:extLst>
+              <a:ext uri="{FF2B5EF4-FFF2-40B4-BE49-F238E27FC236}">
+                <a16:creationId xmlns:a16="http://schemas.microsoft.com/office/drawing/2014/main" id="{E74B0ADB-527F-A58C-9372-D8502ED6F918}"/>
               </a:ext>
             </a:extLst>
           </p:cNvPr>
@@ -8816,8 +9721,8 @@
         </p:nvSpPr>
         <p:spPr>
           <a:xfrm>
-            <a:off x="9579428" y="6356350"/>
-            <a:ext cx="1774371" cy="365125"/>
+            <a:off x="10373350" y="6356349"/>
+            <a:ext cx="987552" cy="365125"/>
           </a:xfrm>
         </p:spPr>
         <p:txBody>
@@ -8833,10 +9738,98 @@
           </a:p>
         </p:txBody>
       </p:sp>
+      <p:sp>
+        <p:nvSpPr>
+          <p:cNvPr id="6" name="Title 1">
+            <a:extLst>
+              <a:ext uri="{FF2B5EF4-FFF2-40B4-BE49-F238E27FC236}">
+                <a16:creationId xmlns:a16="http://schemas.microsoft.com/office/drawing/2014/main" id="{3FDEF44F-BCA7-4AEF-81D3-3A115CD81301}"/>
+              </a:ext>
+            </a:extLst>
+          </p:cNvPr>
+          <p:cNvSpPr txBox="1">
+            <a:spLocks/>
+          </p:cNvSpPr>
+          <p:nvPr/>
+        </p:nvSpPr>
+        <p:spPr>
+          <a:xfrm>
+            <a:off x="2045561" y="1091285"/>
+            <a:ext cx="11629154" cy="994791"/>
+          </a:xfrm>
+          <a:prstGeom prst="rect">
+            <a:avLst/>
+          </a:prstGeom>
+        </p:spPr>
+        <p:txBody>
+          <a:bodyPr vert="horz" lIns="91440" tIns="45720" rIns="91440" bIns="45720" rtlCol="0" anchor="ctr">
+            <a:normAutofit/>
+          </a:bodyPr>
+          <a:lstStyle>
+            <a:lvl1pPr algn="l" defTabSz="914400" rtl="0" eaLnBrk="1" latinLnBrk="0" hangingPunct="1">
+              <a:lnSpc>
+                <a:spcPct val="90000"/>
+              </a:lnSpc>
+              <a:spcBef>
+                <a:spcPct val="0"/>
+              </a:spcBef>
+              <a:buNone/>
+              <a:defRPr lang="en-US" sz="2400" kern="1200" cap="all" spc="150" baseline="0" dirty="0">
+                <a:solidFill>
+                  <a:schemeClr val="tx1"/>
+                </a:solidFill>
+                <a:latin typeface="+mj-lt"/>
+                <a:ea typeface="+mj-ea"/>
+                <a:cs typeface="+mj-cs"/>
+              </a:defRPr>
+            </a:lvl1pPr>
+          </a:lstStyle>
+          <a:p>
+            <a:r>
+              <a:rPr lang="en-US" dirty="0" err="1"/>
+              <a:t>ModeL</a:t>
+            </a:r>
+            <a:r>
+              <a:rPr lang="en-US" dirty="0"/>
+              <a:t> (SMOTE - NN) (2/2)</a:t>
+            </a:r>
+          </a:p>
+        </p:txBody>
+      </p:sp>
+      <p:pic>
+        <p:nvPicPr>
+          <p:cNvPr id="8" name="Picture 7">
+            <a:extLst>
+              <a:ext uri="{FF2B5EF4-FFF2-40B4-BE49-F238E27FC236}">
+                <a16:creationId xmlns:a16="http://schemas.microsoft.com/office/drawing/2014/main" id="{92F216DF-7516-4984-B2A5-7A6B48880263}"/>
+              </a:ext>
+            </a:extLst>
+          </p:cNvPr>
+          <p:cNvPicPr>
+            <a:picLocks noChangeAspect="1"/>
+          </p:cNvPicPr>
+          <p:nvPr/>
+        </p:nvPicPr>
+        <p:blipFill>
+          <a:blip r:embed="rId3"/>
+          <a:stretch>
+            <a:fillRect/>
+          </a:stretch>
+        </p:blipFill>
+        <p:spPr>
+          <a:xfrm>
+            <a:off x="1908653" y="1830048"/>
+            <a:ext cx="8143875" cy="4600575"/>
+          </a:xfrm>
+          <a:prstGeom prst="rect">
+            <a:avLst/>
+          </a:prstGeom>
+        </p:spPr>
+      </p:pic>
     </p:spTree>
     <p:extLst>
       <p:ext uri="{BB962C8B-B14F-4D97-AF65-F5344CB8AC3E}">
-        <p14:creationId xmlns:p14="http://schemas.microsoft.com/office/powerpoint/2010/main" val="1969787568"/>
+        <p14:creationId xmlns:p14="http://schemas.microsoft.com/office/powerpoint/2010/main" val="2452572412"/>
       </p:ext>
     </p:extLst>
   </p:cSld>
